--- a/cache/5cfb9197-e72b-454b-900e-c06b0c802b40/33_1.pptx
+++ b/cache/5cfb9197-e72b-454b-900e-c06b0c802b40/33_1.pptx
@@ -67,7 +67,7 @@
         <p:txBody>
           <a:bodyPr/>
           <a:p>
-            <a:fld id="{D05FDDFA-157B-4A90-90F1-E017FE8DA296}" type="slidenum">
+            <a:fld id="{56D645E3-FCD8-4817-8256-5AE316E930F8}" type="slidenum">
               <a:t>&lt;#&gt;</a:t>
             </a:fld>
           </a:p>
@@ -255,7 +255,7 @@
         <p:txBody>
           <a:bodyPr/>
           <a:p>
-            <a:fld id="{FE72AA59-0EE4-4EE8-9692-B04B6822F1FA}" type="slidenum">
+            <a:fld id="{7FF5D272-8222-4B8C-B2E5-834A7BA76C71}" type="slidenum">
               <a:t>&lt;#&gt;</a:t>
             </a:fld>
           </a:p>
@@ -511,7 +511,7 @@
         <p:txBody>
           <a:bodyPr/>
           <a:p>
-            <a:fld id="{6CB57841-07A4-44C0-B678-E18E55965054}" type="slidenum">
+            <a:fld id="{1112908D-357B-4565-8ED0-1B4B76F27EFF}" type="slidenum">
               <a:t>&lt;#&gt;</a:t>
             </a:fld>
           </a:p>
@@ -835,7 +835,7 @@
         <p:txBody>
           <a:bodyPr/>
           <a:p>
-            <a:fld id="{DEB9D50A-6C3E-496C-B6CC-D1381C41DFB6}" type="slidenum">
+            <a:fld id="{56AF3121-4E01-41CF-9812-5AA97D6EC7B5}" type="slidenum">
               <a:t>&lt;#&gt;</a:t>
             </a:fld>
           </a:p>
@@ -992,7 +992,7 @@
         <p:txBody>
           <a:bodyPr/>
           <a:p>
-            <a:fld id="{0EDFE558-B8CA-43CF-AE42-2687A24F85AA}" type="slidenum">
+            <a:fld id="{476276CC-46C2-4EB5-BF7F-9156D140478B}" type="slidenum">
               <a:t>&lt;#&gt;</a:t>
             </a:fld>
           </a:p>
@@ -1146,7 +1146,7 @@
         <p:txBody>
           <a:bodyPr/>
           <a:p>
-            <a:fld id="{EC14C290-4AE3-4053-A600-929544A28DF6}" type="slidenum">
+            <a:fld id="{42FC132C-A0D9-4133-B573-7E6A6DDDF566}" type="slidenum">
               <a:t>&lt;#&gt;</a:t>
             </a:fld>
           </a:p>
@@ -1334,7 +1334,7 @@
         <p:txBody>
           <a:bodyPr/>
           <a:p>
-            <a:fld id="{19F9B418-D8D5-40CB-9278-EBE16BA7EF35}" type="slidenum">
+            <a:fld id="{90AA9959-4C04-4B89-8870-9A79B80F207B}" type="slidenum">
               <a:t>&lt;#&gt;</a:t>
             </a:fld>
           </a:p>
@@ -1454,7 +1454,7 @@
         <p:txBody>
           <a:bodyPr/>
           <a:p>
-            <a:fld id="{19E6B447-8452-4D0E-8647-67125E0F90AB}" type="slidenum">
+            <a:fld id="{EED5F7E9-BD1B-47E1-AEA1-A899C714BA8E}" type="slidenum">
               <a:t>&lt;#&gt;</a:t>
             </a:fld>
           </a:p>
@@ -1574,7 +1574,7 @@
         <p:txBody>
           <a:bodyPr/>
           <a:p>
-            <a:fld id="{D33991E9-E98B-442F-AD9D-615860AFB55D}" type="slidenum">
+            <a:fld id="{FEE44846-71AB-4F20-BAF4-BDACC9C7B75A}" type="slidenum">
               <a:t>&lt;#&gt;</a:t>
             </a:fld>
           </a:p>
@@ -1796,7 +1796,7 @@
         <p:txBody>
           <a:bodyPr/>
           <a:p>
-            <a:fld id="{52F770E6-F396-4B36-A4C6-6BBD46CFFF51}" type="slidenum">
+            <a:fld id="{88DB98C1-D620-4041-8B7F-444065F3EE42}" type="slidenum">
               <a:t>&lt;#&gt;</a:t>
             </a:fld>
           </a:p>
@@ -2018,7 +2018,7 @@
         <p:txBody>
           <a:bodyPr/>
           <a:p>
-            <a:fld id="{B7FC8C8D-DF6E-4073-856C-1805F2B425F0}" type="slidenum">
+            <a:fld id="{0D9FBBAC-F7B6-4D40-AEE5-121B7E322EDA}" type="slidenum">
               <a:t>&lt;#&gt;</a:t>
             </a:fld>
           </a:p>
@@ -2240,7 +2240,7 @@
         <p:txBody>
           <a:bodyPr/>
           <a:p>
-            <a:fld id="{E1CB0F89-55DB-4617-8958-63BA7C63D846}" type="slidenum">
+            <a:fld id="{C33BC603-4A16-4FDF-B8A8-2E395B02031C}" type="slidenum">
               <a:t>&lt;#&gt;</a:t>
             </a:fld>
           </a:p>
@@ -2398,7 +2398,7 @@
               </a:lnSpc>
               <a:buNone/>
             </a:pPr>
-            <a:fld id="{C48BB3CF-2EDB-43BE-B0FE-072FFBDC4825}" type="slidenum">
+            <a:fld id="{1066BF2A-1EC3-4883-94F7-FE819FFE1E2F}" type="slidenum">
               <a:rPr b="0" lang="en-HK" sz="2400" spc="-1" strike="noStrike">
                 <a:latin typeface="Times New Roman"/>
               </a:rPr>
@@ -6280,7 +6280,7 @@
                           <a:latin typeface="Russo One"/>
                           <a:ea typeface="Russo One"/>
                         </a:rPr>
-                        <a:t>T2</a:t>
+                        <a:t>Table 1</a:t>
                       </a:r>
                       <a:endParaRPr b="0" lang="en-HK" sz="3230" spc="-1" strike="noStrike">
                         <a:latin typeface="Arial"/>
@@ -6336,7 +6336,7 @@
                           <a:latin typeface="Russo One"/>
                           <a:ea typeface="Russo One"/>
                         </a:rPr>
-                        <a:t>Table 2</a:t>
+                        <a:t>T2</a:t>
                       </a:r>
                       <a:endParaRPr b="0" lang="en-HK" sz="3230" spc="-1" strike="noStrike">
                         <a:latin typeface="Arial"/>

--- a/cache/5cfb9197-e72b-454b-900e-c06b0c802b40/33_1.pptx
+++ b/cache/5cfb9197-e72b-454b-900e-c06b0c802b40/33_1.pptx
@@ -67,7 +67,7 @@
         <p:txBody>
           <a:bodyPr/>
           <a:p>
-            <a:fld id="{56D645E3-FCD8-4817-8256-5AE316E930F8}" type="slidenum">
+            <a:fld id="{B091E96C-9A74-420C-BC1D-EF410E641D88}" type="slidenum">
               <a:t>&lt;#&gt;</a:t>
             </a:fld>
           </a:p>
@@ -255,7 +255,7 @@
         <p:txBody>
           <a:bodyPr/>
           <a:p>
-            <a:fld id="{7FF5D272-8222-4B8C-B2E5-834A7BA76C71}" type="slidenum">
+            <a:fld id="{E2BC46D0-C2D5-406D-8FB9-0DF7714082CE}" type="slidenum">
               <a:t>&lt;#&gt;</a:t>
             </a:fld>
           </a:p>
@@ -511,7 +511,7 @@
         <p:txBody>
           <a:bodyPr/>
           <a:p>
-            <a:fld id="{1112908D-357B-4565-8ED0-1B4B76F27EFF}" type="slidenum">
+            <a:fld id="{328CA41D-B3A0-4F86-B677-3E347DC6B246}" type="slidenum">
               <a:t>&lt;#&gt;</a:t>
             </a:fld>
           </a:p>
@@ -835,7 +835,7 @@
         <p:txBody>
           <a:bodyPr/>
           <a:p>
-            <a:fld id="{56AF3121-4E01-41CF-9812-5AA97D6EC7B5}" type="slidenum">
+            <a:fld id="{1EB7E36C-8494-4BCA-B57F-DDC7D26F3F25}" type="slidenum">
               <a:t>&lt;#&gt;</a:t>
             </a:fld>
           </a:p>
@@ -992,7 +992,7 @@
         <p:txBody>
           <a:bodyPr/>
           <a:p>
-            <a:fld id="{476276CC-46C2-4EB5-BF7F-9156D140478B}" type="slidenum">
+            <a:fld id="{E0F84CEA-D76D-40A8-A9F3-912B3A14B250}" type="slidenum">
               <a:t>&lt;#&gt;</a:t>
             </a:fld>
           </a:p>
@@ -1146,7 +1146,7 @@
         <p:txBody>
           <a:bodyPr/>
           <a:p>
-            <a:fld id="{42FC132C-A0D9-4133-B573-7E6A6DDDF566}" type="slidenum">
+            <a:fld id="{28B2444D-C65B-453B-9531-D461B2741FB3}" type="slidenum">
               <a:t>&lt;#&gt;</a:t>
             </a:fld>
           </a:p>
@@ -1334,7 +1334,7 @@
         <p:txBody>
           <a:bodyPr/>
           <a:p>
-            <a:fld id="{90AA9959-4C04-4B89-8870-9A79B80F207B}" type="slidenum">
+            <a:fld id="{CD4DD4FB-D1C1-4C9A-8E7A-4EDBEED2196F}" type="slidenum">
               <a:t>&lt;#&gt;</a:t>
             </a:fld>
           </a:p>
@@ -1454,7 +1454,7 @@
         <p:txBody>
           <a:bodyPr/>
           <a:p>
-            <a:fld id="{EED5F7E9-BD1B-47E1-AEA1-A899C714BA8E}" type="slidenum">
+            <a:fld id="{479ACD96-0340-47BE-9DF2-6B81C2A61BE7}" type="slidenum">
               <a:t>&lt;#&gt;</a:t>
             </a:fld>
           </a:p>
@@ -1574,7 +1574,7 @@
         <p:txBody>
           <a:bodyPr/>
           <a:p>
-            <a:fld id="{FEE44846-71AB-4F20-BAF4-BDACC9C7B75A}" type="slidenum">
+            <a:fld id="{89AE7DCF-763D-4A31-B1CB-CD5F29B0F568}" type="slidenum">
               <a:t>&lt;#&gt;</a:t>
             </a:fld>
           </a:p>
@@ -1796,7 +1796,7 @@
         <p:txBody>
           <a:bodyPr/>
           <a:p>
-            <a:fld id="{88DB98C1-D620-4041-8B7F-444065F3EE42}" type="slidenum">
+            <a:fld id="{D4D089A0-B71B-4257-B73C-8A2F39EA7D1E}" type="slidenum">
               <a:t>&lt;#&gt;</a:t>
             </a:fld>
           </a:p>
@@ -2018,7 +2018,7 @@
         <p:txBody>
           <a:bodyPr/>
           <a:p>
-            <a:fld id="{0D9FBBAC-F7B6-4D40-AEE5-121B7E322EDA}" type="slidenum">
+            <a:fld id="{1B571F61-D204-410C-98EF-2FE035B2035E}" type="slidenum">
               <a:t>&lt;#&gt;</a:t>
             </a:fld>
           </a:p>
@@ -2240,7 +2240,7 @@
         <p:txBody>
           <a:bodyPr/>
           <a:p>
-            <a:fld id="{C33BC603-4A16-4FDF-B8A8-2E395B02031C}" type="slidenum">
+            <a:fld id="{B558CB06-A4C0-4BD6-B71B-B776CEAC77B1}" type="slidenum">
               <a:t>&lt;#&gt;</a:t>
             </a:fld>
           </a:p>
@@ -2398,7 +2398,7 @@
               </a:lnSpc>
               <a:buNone/>
             </a:pPr>
-            <a:fld id="{1066BF2A-1EC3-4883-94F7-FE819FFE1E2F}" type="slidenum">
+            <a:fld id="{6626562C-9C64-4AF6-AA7B-F97BB6874F15}" type="slidenum">
               <a:rPr b="0" lang="en-HK" sz="2400" spc="-1" strike="noStrike">
                 <a:latin typeface="Times New Roman"/>
               </a:rPr>
@@ -6280,7 +6280,7 @@
                           <a:latin typeface="Russo One"/>
                           <a:ea typeface="Russo One"/>
                         </a:rPr>
-                        <a:t>Table 1</a:t>
+                        <a:t>T2</a:t>
                       </a:r>
                       <a:endParaRPr b="0" lang="en-HK" sz="3230" spc="-1" strike="noStrike">
                         <a:latin typeface="Arial"/>
@@ -6336,7 +6336,7 @@
                           <a:latin typeface="Russo One"/>
                           <a:ea typeface="Russo One"/>
                         </a:rPr>
-                        <a:t>T2</a:t>
+                        <a:t>Table 2</a:t>
                       </a:r>
                       <a:endParaRPr b="0" lang="en-HK" sz="3230" spc="-1" strike="noStrike">
                         <a:latin typeface="Arial"/>
